--- a/PräsentationOhneVideo.pptx
+++ b/PräsentationOhneVideo.pptx
@@ -383,11 +383,11 @@
         </c:dLbls>
         <c:marker val="1"/>
         <c:smooth val="0"/>
-        <c:axId val="188100992"/>
-        <c:axId val="188103296"/>
+        <c:axId val="208804096"/>
+        <c:axId val="214937984"/>
       </c:lineChart>
       <c:catAx>
-        <c:axId val="188100992"/>
+        <c:axId val="208804096"/>
         <c:scaling>
           <c:orientation val="minMax"/>
         </c:scaling>
@@ -416,7 +416,7 @@
         <c:majorTickMark val="out"/>
         <c:minorTickMark val="none"/>
         <c:tickLblPos val="nextTo"/>
-        <c:crossAx val="188103296"/>
+        <c:crossAx val="214937984"/>
         <c:crosses val="autoZero"/>
         <c:auto val="1"/>
         <c:lblAlgn val="ctr"/>
@@ -424,7 +424,7 @@
         <c:noMultiLvlLbl val="0"/>
       </c:catAx>
       <c:valAx>
-        <c:axId val="188103296"/>
+        <c:axId val="214937984"/>
         <c:scaling>
           <c:orientation val="minMax"/>
         </c:scaling>
@@ -435,7 +435,7 @@
         <c:majorTickMark val="out"/>
         <c:minorTickMark val="none"/>
         <c:tickLblPos val="nextTo"/>
-        <c:crossAx val="188100992"/>
+        <c:crossAx val="208804096"/>
         <c:crosses val="autoZero"/>
         <c:crossBetween val="between"/>
       </c:valAx>
@@ -557,7 +557,7 @@
             <a:fld id="{C6CA75DE-53F2-4E32-A428-21861BFC6312}" type="datetimeFigureOut">
               <a:rPr lang="de-DE" smtClean="0"/>
               <a:pPr/>
-              <a:t>11.12.2017</a:t>
+              <a:t>18.12.2017</a:t>
             </a:fld>
             <a:endParaRPr lang="de-DE"/>
           </a:p>
@@ -883,7 +883,7 @@
             <a:fld id="{C6CA75DE-53F2-4E32-A428-21861BFC6312}" type="datetimeFigureOut">
               <a:rPr lang="de-DE" smtClean="0"/>
               <a:pPr/>
-              <a:t>11.12.2017</a:t>
+              <a:t>18.12.2017</a:t>
             </a:fld>
             <a:endParaRPr lang="de-DE"/>
           </a:p>
@@ -1511,7 +1511,7 @@
           <a:p>
             <a:fld id="{5A607C75-7E5E-49DD-BFE0-283F617009BA}" type="datetime1">
               <a:rPr lang="de-DE" noProof="0" smtClean="0"/>
-              <a:t>11.12.2017</a:t>
+              <a:t>18.12.2017</a:t>
             </a:fld>
             <a:endParaRPr lang="de-DE" noProof="0" dirty="0"/>
           </a:p>
@@ -2337,7 +2337,7 @@
           <a:p>
             <a:fld id="{5A607C75-7E5E-49DD-BFE0-283F617009BA}" type="datetime1">
               <a:rPr lang="de-DE" noProof="0" smtClean="0"/>
-              <a:t>11.12.2017</a:t>
+              <a:t>18.12.2017</a:t>
             </a:fld>
             <a:endParaRPr lang="de-DE" noProof="0" dirty="0"/>
           </a:p>
@@ -2999,7 +2999,7 @@
           <a:p>
             <a:fld id="{5A607C75-7E5E-49DD-BFE0-283F617009BA}" type="datetime1">
               <a:rPr lang="de-DE" noProof="0" smtClean="0"/>
-              <a:t>11.12.2017</a:t>
+              <a:t>18.12.2017</a:t>
             </a:fld>
             <a:endParaRPr lang="de-DE" noProof="0" dirty="0"/>
           </a:p>
@@ -4168,7 +4168,7 @@
           <a:p>
             <a:fld id="{5A607C75-7E5E-49DD-BFE0-283F617009BA}" type="datetime1">
               <a:rPr lang="de-DE" noProof="0" smtClean="0"/>
-              <a:t>11.12.2017</a:t>
+              <a:t>18.12.2017</a:t>
             </a:fld>
             <a:endParaRPr lang="de-DE" noProof="0" dirty="0"/>
           </a:p>
@@ -4642,7 +4642,7 @@
           <a:p>
             <a:fld id="{5A607C75-7E5E-49DD-BFE0-283F617009BA}" type="datetime1">
               <a:rPr lang="de-DE" noProof="0" smtClean="0"/>
-              <a:t>11.12.2017</a:t>
+              <a:t>18.12.2017</a:t>
             </a:fld>
             <a:endParaRPr lang="de-DE" noProof="0" dirty="0"/>
           </a:p>
@@ -5521,7 +5521,7 @@
           <a:p>
             <a:fld id="{5A607C75-7E5E-49DD-BFE0-283F617009BA}" type="datetime1">
               <a:rPr lang="de-DE" noProof="0" smtClean="0"/>
-              <a:t>11.12.2017</a:t>
+              <a:t>18.12.2017</a:t>
             </a:fld>
             <a:endParaRPr lang="de-DE" noProof="0" dirty="0"/>
           </a:p>
@@ -6862,7 +6862,7 @@
           <a:p>
             <a:fld id="{5A607C75-7E5E-49DD-BFE0-283F617009BA}" type="datetime1">
               <a:rPr lang="de-DE" noProof="0" smtClean="0"/>
-              <a:t>11.12.2017</a:t>
+              <a:t>18.12.2017</a:t>
             </a:fld>
             <a:endParaRPr lang="de-DE" noProof="0" dirty="0"/>
           </a:p>
@@ -13084,7 +13084,7 @@
           <a:p>
             <a:fld id="{5A607C75-7E5E-49DD-BFE0-283F617009BA}" type="datetime1">
               <a:rPr lang="de-DE" noProof="0" smtClean="0"/>
-              <a:t>11.12.2017</a:t>
+              <a:t>18.12.2017</a:t>
             </a:fld>
             <a:endParaRPr lang="de-DE" noProof="0" dirty="0"/>
           </a:p>
@@ -13825,7 +13825,7 @@
           <a:p>
             <a:fld id="{5A607C75-7E5E-49DD-BFE0-283F617009BA}" type="datetime1">
               <a:rPr lang="de-DE" noProof="0" smtClean="0"/>
-              <a:t>11.12.2017</a:t>
+              <a:t>18.12.2017</a:t>
             </a:fld>
             <a:endParaRPr lang="de-DE" noProof="0" dirty="0"/>
           </a:p>
@@ -14515,7 +14515,7 @@
           <a:p>
             <a:fld id="{5A607C75-7E5E-49DD-BFE0-283F617009BA}" type="datetime1">
               <a:rPr lang="de-DE" noProof="0" smtClean="0"/>
-              <a:t>11.12.2017</a:t>
+              <a:t>18.12.2017</a:t>
             </a:fld>
             <a:endParaRPr lang="de-DE" noProof="0" dirty="0"/>
           </a:p>
@@ -15314,7 +15314,7 @@
           <a:p>
             <a:fld id="{5A607C75-7E5E-49DD-BFE0-283F617009BA}" type="datetime1">
               <a:rPr lang="de-DE" noProof="0" smtClean="0"/>
-              <a:t>11.12.2017</a:t>
+              <a:t>18.12.2017</a:t>
             </a:fld>
             <a:endParaRPr lang="de-DE" noProof="0" dirty="0"/>
           </a:p>
@@ -15943,7 +15943,7 @@
           <a:p>
             <a:fld id="{5A607C75-7E5E-49DD-BFE0-283F617009BA}" type="datetime1">
               <a:rPr lang="de-DE" noProof="0" smtClean="0"/>
-              <a:t>11.12.2017</a:t>
+              <a:t>18.12.2017</a:t>
             </a:fld>
             <a:endParaRPr lang="de-DE" noProof="0" dirty="0"/>
           </a:p>
@@ -16694,7 +16694,7 @@
           <a:p>
             <a:fld id="{5A607C75-7E5E-49DD-BFE0-283F617009BA}" type="datetime1">
               <a:rPr lang="de-DE" noProof="0" smtClean="0"/>
-              <a:t>11.12.2017</a:t>
+              <a:t>18.12.2017</a:t>
             </a:fld>
             <a:endParaRPr lang="de-DE" noProof="0" dirty="0"/>
           </a:p>
@@ -34210,7 +34210,7 @@
           <a:p>
             <a:fld id="{5A607C75-7E5E-49DD-BFE0-283F617009BA}" type="datetime1">
               <a:rPr lang="de-DE" noProof="0" smtClean="0"/>
-              <a:t>11.12.2017</a:t>
+              <a:t>18.12.2017</a:t>
             </a:fld>
             <a:endParaRPr lang="de-DE" noProof="0" dirty="0"/>
           </a:p>
@@ -34950,7 +34950,6 @@
               <a:rPr lang="de-DE" dirty="0" smtClean="0"/>
               <a:t>Video</a:t>
             </a:r>
-            <a:endParaRPr lang="de-DE" dirty="0" smtClean="0"/>
           </a:p>
           <a:p>
             <a:pPr marL="285750" indent="-285750">
@@ -36888,7 +36887,7 @@
           <a:graphicData uri="http://schemas.openxmlformats.org/presentationml/2006/ole">
             <mc:AlternateContent xmlns:mc="http://schemas.openxmlformats.org/markup-compatibility/2006">
               <mc:Choice xmlns:v="urn:schemas-microsoft-com:vml" Requires="v">
-                <p:oleObj spid="_x0000_s2132" name="think-cell Folie" r:id="rId4" imgW="270" imgH="270" progId="TCLayout.ActiveDocument.1">
+                <p:oleObj spid="_x0000_s2137" name="think-cell Folie" r:id="rId4" imgW="270" imgH="270" progId="TCLayout.ActiveDocument.1">
                   <p:embed/>
                 </p:oleObj>
               </mc:Choice>
@@ -37056,7 +37055,7 @@
           <a:p>
             <a:fld id="{5A607C75-7E5E-49DD-BFE0-283F617009BA}" type="datetime1">
               <a:rPr lang="de-DE" noProof="0" smtClean="0"/>
-              <a:t>11.12.2017</a:t>
+              <a:t>18.12.2017</a:t>
             </a:fld>
             <a:endParaRPr lang="de-DE" noProof="0" dirty="0"/>
           </a:p>
@@ -38870,6 +38869,87 @@
                                   </p:childTnLst>
                                 </p:cTn>
                               </p:par>
+                              <p:par>
+                                <p:cTn id="29" presetID="42" presetClass="entr" presetSubtype="0" fill="hold" nodeType="withEffect">
+                                  <p:stCondLst>
+                                    <p:cond delay="750"/>
+                                  </p:stCondLst>
+                                  <p:childTnLst>
+                                    <p:set>
+                                      <p:cBhvr>
+                                        <p:cTn id="30" dur="1" fill="hold">
+                                          <p:stCondLst>
+                                            <p:cond delay="0"/>
+                                          </p:stCondLst>
+                                        </p:cTn>
+                                        <p:tgtEl>
+                                          <p:spTgt spid="12"/>
+                                        </p:tgtEl>
+                                        <p:attrNameLst>
+                                          <p:attrName>style.visibility</p:attrName>
+                                        </p:attrNameLst>
+                                      </p:cBhvr>
+                                      <p:to>
+                                        <p:strVal val="visible"/>
+                                      </p:to>
+                                    </p:set>
+                                    <p:animEffect transition="in" filter="fade">
+                                      <p:cBhvr>
+                                        <p:cTn id="31" dur="1000"/>
+                                        <p:tgtEl>
+                                          <p:spTgt spid="12"/>
+                                        </p:tgtEl>
+                                      </p:cBhvr>
+                                    </p:animEffect>
+                                    <p:anim calcmode="lin" valueType="num">
+                                      <p:cBhvr>
+                                        <p:cTn id="32" dur="1000" fill="hold"/>
+                                        <p:tgtEl>
+                                          <p:spTgt spid="12"/>
+                                        </p:tgtEl>
+                                        <p:attrNameLst>
+                                          <p:attrName>ppt_x</p:attrName>
+                                        </p:attrNameLst>
+                                      </p:cBhvr>
+                                      <p:tavLst>
+                                        <p:tav tm="0">
+                                          <p:val>
+                                            <p:strVal val="#ppt_x"/>
+                                          </p:val>
+                                        </p:tav>
+                                        <p:tav tm="100000">
+                                          <p:val>
+                                            <p:strVal val="#ppt_x"/>
+                                          </p:val>
+                                        </p:tav>
+                                      </p:tavLst>
+                                    </p:anim>
+                                    <p:anim calcmode="lin" valueType="num">
+                                      <p:cBhvr>
+                                        <p:cTn id="33" dur="1000" fill="hold"/>
+                                        <p:tgtEl>
+                                          <p:spTgt spid="12"/>
+                                        </p:tgtEl>
+                                        <p:attrNameLst>
+                                          <p:attrName>ppt_y</p:attrName>
+                                        </p:attrNameLst>
+                                      </p:cBhvr>
+                                      <p:tavLst>
+                                        <p:tav tm="0">
+                                          <p:val>
+                                            <p:strVal val="#ppt_y+.1"/>
+                                          </p:val>
+                                        </p:tav>
+                                        <p:tav tm="100000">
+                                          <p:val>
+                                            <p:strVal val="#ppt_y"/>
+                                          </p:val>
+                                        </p:tav>
+                                      </p:tavLst>
+                                    </p:anim>
+                                  </p:childTnLst>
+                                </p:cTn>
+                              </p:par>
                             </p:childTnLst>
                           </p:cTn>
                         </p:par>
@@ -38877,26 +38957,26 @@
                     </p:cTn>
                   </p:par>
                   <p:par>
-                    <p:cTn id="29" fill="hold">
+                    <p:cTn id="34" fill="hold">
                       <p:stCondLst>
                         <p:cond delay="indefinite"/>
                       </p:stCondLst>
                       <p:childTnLst>
                         <p:par>
-                          <p:cTn id="30" fill="hold">
+                          <p:cTn id="35" fill="hold">
                             <p:stCondLst>
                               <p:cond delay="0"/>
                             </p:stCondLst>
                             <p:childTnLst>
                               <p:par>
-                                <p:cTn id="31" presetID="53" presetClass="entr" presetSubtype="16" fill="hold" nodeType="clickEffect">
+                                <p:cTn id="36" presetID="53" presetClass="entr" presetSubtype="16" fill="hold" nodeType="clickEffect">
                                   <p:stCondLst>
                                     <p:cond delay="0"/>
                                   </p:stCondLst>
                                   <p:childTnLst>
                                     <p:set>
                                       <p:cBhvr>
-                                        <p:cTn id="32" dur="1" fill="hold">
+                                        <p:cTn id="37" dur="1" fill="hold">
                                           <p:stCondLst>
                                             <p:cond delay="0"/>
                                           </p:stCondLst>
@@ -38918,7 +38998,7 @@
                                     </p:set>
                                     <p:anim calcmode="lin" valueType="num">
                                       <p:cBhvr>
-                                        <p:cTn id="33" dur="500" fill="hold"/>
+                                        <p:cTn id="38" dur="500" fill="hold"/>
                                         <p:tgtEl>
                                           <p:spTgt spid="3090">
                                             <p:txEl>
@@ -38945,7 +39025,7 @@
                                     </p:anim>
                                     <p:anim calcmode="lin" valueType="num">
                                       <p:cBhvr>
-                                        <p:cTn id="34" dur="500" fill="hold"/>
+                                        <p:cTn id="39" dur="500" fill="hold"/>
                                         <p:tgtEl>
                                           <p:spTgt spid="3090">
                                             <p:txEl>
@@ -38972,7 +39052,7 @@
                                     </p:anim>
                                     <p:animEffect transition="in" filter="fade">
                                       <p:cBhvr>
-                                        <p:cTn id="35" dur="500"/>
+                                        <p:cTn id="40" dur="500"/>
                                         <p:tgtEl>
                                           <p:spTgt spid="3090">
                                             <p:txEl>
@@ -38992,26 +39072,26 @@
                     </p:cTn>
                   </p:par>
                   <p:par>
-                    <p:cTn id="36" fill="hold">
+                    <p:cTn id="41" fill="hold">
                       <p:stCondLst>
                         <p:cond delay="indefinite"/>
                       </p:stCondLst>
                       <p:childTnLst>
                         <p:par>
-                          <p:cTn id="37" fill="hold">
+                          <p:cTn id="42" fill="hold">
                             <p:stCondLst>
                               <p:cond delay="0"/>
                             </p:stCondLst>
                             <p:childTnLst>
                               <p:par>
-                                <p:cTn id="38" presetID="53" presetClass="entr" presetSubtype="16" fill="hold" nodeType="clickEffect">
+                                <p:cTn id="43" presetID="53" presetClass="entr" presetSubtype="16" fill="hold" nodeType="clickEffect">
                                   <p:stCondLst>
                                     <p:cond delay="0"/>
                                   </p:stCondLst>
                                   <p:childTnLst>
                                     <p:set>
                                       <p:cBhvr>
-                                        <p:cTn id="39" dur="1" fill="hold">
+                                        <p:cTn id="44" dur="1" fill="hold">
                                           <p:stCondLst>
                                             <p:cond delay="0"/>
                                           </p:stCondLst>
@@ -39033,7 +39113,7 @@
                                     </p:set>
                                     <p:anim calcmode="lin" valueType="num">
                                       <p:cBhvr>
-                                        <p:cTn id="40" dur="500" fill="hold"/>
+                                        <p:cTn id="45" dur="500" fill="hold"/>
                                         <p:tgtEl>
                                           <p:spTgt spid="3090">
                                             <p:txEl>
@@ -39060,7 +39140,7 @@
                                     </p:anim>
                                     <p:anim calcmode="lin" valueType="num">
                                       <p:cBhvr>
-                                        <p:cTn id="41" dur="500" fill="hold"/>
+                                        <p:cTn id="46" dur="500" fill="hold"/>
                                         <p:tgtEl>
                                           <p:spTgt spid="3090">
                                             <p:txEl>
@@ -39087,7 +39167,7 @@
                                     </p:anim>
                                     <p:animEffect transition="in" filter="fade">
                                       <p:cBhvr>
-                                        <p:cTn id="42" dur="500"/>
+                                        <p:cTn id="47" dur="500"/>
                                         <p:tgtEl>
                                           <p:spTgt spid="3090">
                                             <p:txEl>
@@ -39097,87 +39177,6 @@
                                         </p:tgtEl>
                                       </p:cBhvr>
                                     </p:animEffect>
-                                  </p:childTnLst>
-                                </p:cTn>
-                              </p:par>
-                              <p:par>
-                                <p:cTn id="43" presetID="42" presetClass="entr" presetSubtype="0" fill="hold" nodeType="withEffect">
-                                  <p:stCondLst>
-                                    <p:cond delay="0"/>
-                                  </p:stCondLst>
-                                  <p:childTnLst>
-                                    <p:set>
-                                      <p:cBhvr>
-                                        <p:cTn id="44" dur="1" fill="hold">
-                                          <p:stCondLst>
-                                            <p:cond delay="0"/>
-                                          </p:stCondLst>
-                                        </p:cTn>
-                                        <p:tgtEl>
-                                          <p:spTgt spid="12"/>
-                                        </p:tgtEl>
-                                        <p:attrNameLst>
-                                          <p:attrName>style.visibility</p:attrName>
-                                        </p:attrNameLst>
-                                      </p:cBhvr>
-                                      <p:to>
-                                        <p:strVal val="visible"/>
-                                      </p:to>
-                                    </p:set>
-                                    <p:animEffect transition="in" filter="fade">
-                                      <p:cBhvr>
-                                        <p:cTn id="45" dur="1000"/>
-                                        <p:tgtEl>
-                                          <p:spTgt spid="12"/>
-                                        </p:tgtEl>
-                                      </p:cBhvr>
-                                    </p:animEffect>
-                                    <p:anim calcmode="lin" valueType="num">
-                                      <p:cBhvr>
-                                        <p:cTn id="46" dur="1000" fill="hold"/>
-                                        <p:tgtEl>
-                                          <p:spTgt spid="12"/>
-                                        </p:tgtEl>
-                                        <p:attrNameLst>
-                                          <p:attrName>ppt_x</p:attrName>
-                                        </p:attrNameLst>
-                                      </p:cBhvr>
-                                      <p:tavLst>
-                                        <p:tav tm="0">
-                                          <p:val>
-                                            <p:strVal val="#ppt_x"/>
-                                          </p:val>
-                                        </p:tav>
-                                        <p:tav tm="100000">
-                                          <p:val>
-                                            <p:strVal val="#ppt_x"/>
-                                          </p:val>
-                                        </p:tav>
-                                      </p:tavLst>
-                                    </p:anim>
-                                    <p:anim calcmode="lin" valueType="num">
-                                      <p:cBhvr>
-                                        <p:cTn id="47" dur="1000" fill="hold"/>
-                                        <p:tgtEl>
-                                          <p:spTgt spid="12"/>
-                                        </p:tgtEl>
-                                        <p:attrNameLst>
-                                          <p:attrName>ppt_y</p:attrName>
-                                        </p:attrNameLst>
-                                      </p:cBhvr>
-                                      <p:tavLst>
-                                        <p:tav tm="0">
-                                          <p:val>
-                                            <p:strVal val="#ppt_y+.1"/>
-                                          </p:val>
-                                        </p:tav>
-                                        <p:tav tm="100000">
-                                          <p:val>
-                                            <p:strVal val="#ppt_y"/>
-                                          </p:val>
-                                        </p:tav>
-                                      </p:tavLst>
-                                    </p:anim>
                                   </p:childTnLst>
                                 </p:cTn>
                               </p:par>
@@ -40694,6 +40693,581 @@
                                       </p:cBhvr>
                                       <p:by x="105000" y="105000"/>
                                     </p:animScale>
+                                  </p:childTnLst>
+                                </p:cTn>
+                              </p:par>
+                            </p:childTnLst>
+                          </p:cTn>
+                        </p:par>
+                      </p:childTnLst>
+                    </p:cTn>
+                  </p:par>
+                  <p:par>
+                    <p:cTn id="8" fill="hold">
+                      <p:stCondLst>
+                        <p:cond delay="indefinite"/>
+                      </p:stCondLst>
+                      <p:childTnLst>
+                        <p:par>
+                          <p:cTn id="9" fill="hold">
+                            <p:stCondLst>
+                              <p:cond delay="0"/>
+                            </p:stCondLst>
+                            <p:childTnLst>
+                              <p:par>
+                                <p:cTn id="10" presetID="42" presetClass="entr" presetSubtype="0" fill="hold" nodeType="clickEffect">
+                                  <p:stCondLst>
+                                    <p:cond delay="0"/>
+                                  </p:stCondLst>
+                                  <p:childTnLst>
+                                    <p:set>
+                                      <p:cBhvr>
+                                        <p:cTn id="11" dur="1" fill="hold">
+                                          <p:stCondLst>
+                                            <p:cond delay="0"/>
+                                          </p:stCondLst>
+                                        </p:cTn>
+                                        <p:tgtEl>
+                                          <p:spTgt spid="8">
+                                            <p:txEl>
+                                              <p:pRg st="2" end="2"/>
+                                            </p:txEl>
+                                          </p:spTgt>
+                                        </p:tgtEl>
+                                        <p:attrNameLst>
+                                          <p:attrName>style.visibility</p:attrName>
+                                        </p:attrNameLst>
+                                      </p:cBhvr>
+                                      <p:to>
+                                        <p:strVal val="visible"/>
+                                      </p:to>
+                                    </p:set>
+                                    <p:animEffect transition="in" filter="fade">
+                                      <p:cBhvr>
+                                        <p:cTn id="12" dur="1000"/>
+                                        <p:tgtEl>
+                                          <p:spTgt spid="8">
+                                            <p:txEl>
+                                              <p:pRg st="2" end="2"/>
+                                            </p:txEl>
+                                          </p:spTgt>
+                                        </p:tgtEl>
+                                      </p:cBhvr>
+                                    </p:animEffect>
+                                    <p:anim calcmode="lin" valueType="num">
+                                      <p:cBhvr>
+                                        <p:cTn id="13" dur="1000" fill="hold"/>
+                                        <p:tgtEl>
+                                          <p:spTgt spid="8">
+                                            <p:txEl>
+                                              <p:pRg st="2" end="2"/>
+                                            </p:txEl>
+                                          </p:spTgt>
+                                        </p:tgtEl>
+                                        <p:attrNameLst>
+                                          <p:attrName>ppt_x</p:attrName>
+                                        </p:attrNameLst>
+                                      </p:cBhvr>
+                                      <p:tavLst>
+                                        <p:tav tm="0">
+                                          <p:val>
+                                            <p:strVal val="#ppt_x"/>
+                                          </p:val>
+                                        </p:tav>
+                                        <p:tav tm="100000">
+                                          <p:val>
+                                            <p:strVal val="#ppt_x"/>
+                                          </p:val>
+                                        </p:tav>
+                                      </p:tavLst>
+                                    </p:anim>
+                                    <p:anim calcmode="lin" valueType="num">
+                                      <p:cBhvr>
+                                        <p:cTn id="14" dur="1000" fill="hold"/>
+                                        <p:tgtEl>
+                                          <p:spTgt spid="8">
+                                            <p:txEl>
+                                              <p:pRg st="2" end="2"/>
+                                            </p:txEl>
+                                          </p:spTgt>
+                                        </p:tgtEl>
+                                        <p:attrNameLst>
+                                          <p:attrName>ppt_y</p:attrName>
+                                        </p:attrNameLst>
+                                      </p:cBhvr>
+                                      <p:tavLst>
+                                        <p:tav tm="0">
+                                          <p:val>
+                                            <p:strVal val="#ppt_y+.1"/>
+                                          </p:val>
+                                        </p:tav>
+                                        <p:tav tm="100000">
+                                          <p:val>
+                                            <p:strVal val="#ppt_y"/>
+                                          </p:val>
+                                        </p:tav>
+                                      </p:tavLst>
+                                    </p:anim>
+                                  </p:childTnLst>
+                                </p:cTn>
+                              </p:par>
+                            </p:childTnLst>
+                          </p:cTn>
+                        </p:par>
+                      </p:childTnLst>
+                    </p:cTn>
+                  </p:par>
+                  <p:par>
+                    <p:cTn id="15" fill="hold">
+                      <p:stCondLst>
+                        <p:cond delay="indefinite"/>
+                      </p:stCondLst>
+                      <p:childTnLst>
+                        <p:par>
+                          <p:cTn id="16" fill="hold">
+                            <p:stCondLst>
+                              <p:cond delay="0"/>
+                            </p:stCondLst>
+                            <p:childTnLst>
+                              <p:par>
+                                <p:cTn id="17" presetID="42" presetClass="entr" presetSubtype="0" fill="hold" nodeType="clickEffect">
+                                  <p:stCondLst>
+                                    <p:cond delay="0"/>
+                                  </p:stCondLst>
+                                  <p:childTnLst>
+                                    <p:set>
+                                      <p:cBhvr>
+                                        <p:cTn id="18" dur="1" fill="hold">
+                                          <p:stCondLst>
+                                            <p:cond delay="0"/>
+                                          </p:stCondLst>
+                                        </p:cTn>
+                                        <p:tgtEl>
+                                          <p:spTgt spid="8">
+                                            <p:txEl>
+                                              <p:pRg st="4" end="4"/>
+                                            </p:txEl>
+                                          </p:spTgt>
+                                        </p:tgtEl>
+                                        <p:attrNameLst>
+                                          <p:attrName>style.visibility</p:attrName>
+                                        </p:attrNameLst>
+                                      </p:cBhvr>
+                                      <p:to>
+                                        <p:strVal val="visible"/>
+                                      </p:to>
+                                    </p:set>
+                                    <p:animEffect transition="in" filter="fade">
+                                      <p:cBhvr>
+                                        <p:cTn id="19" dur="1000"/>
+                                        <p:tgtEl>
+                                          <p:spTgt spid="8">
+                                            <p:txEl>
+                                              <p:pRg st="4" end="4"/>
+                                            </p:txEl>
+                                          </p:spTgt>
+                                        </p:tgtEl>
+                                      </p:cBhvr>
+                                    </p:animEffect>
+                                    <p:anim calcmode="lin" valueType="num">
+                                      <p:cBhvr>
+                                        <p:cTn id="20" dur="1000" fill="hold"/>
+                                        <p:tgtEl>
+                                          <p:spTgt spid="8">
+                                            <p:txEl>
+                                              <p:pRg st="4" end="4"/>
+                                            </p:txEl>
+                                          </p:spTgt>
+                                        </p:tgtEl>
+                                        <p:attrNameLst>
+                                          <p:attrName>ppt_x</p:attrName>
+                                        </p:attrNameLst>
+                                      </p:cBhvr>
+                                      <p:tavLst>
+                                        <p:tav tm="0">
+                                          <p:val>
+                                            <p:strVal val="#ppt_x"/>
+                                          </p:val>
+                                        </p:tav>
+                                        <p:tav tm="100000">
+                                          <p:val>
+                                            <p:strVal val="#ppt_x"/>
+                                          </p:val>
+                                        </p:tav>
+                                      </p:tavLst>
+                                    </p:anim>
+                                    <p:anim calcmode="lin" valueType="num">
+                                      <p:cBhvr>
+                                        <p:cTn id="21" dur="1000" fill="hold"/>
+                                        <p:tgtEl>
+                                          <p:spTgt spid="8">
+                                            <p:txEl>
+                                              <p:pRg st="4" end="4"/>
+                                            </p:txEl>
+                                          </p:spTgt>
+                                        </p:tgtEl>
+                                        <p:attrNameLst>
+                                          <p:attrName>ppt_y</p:attrName>
+                                        </p:attrNameLst>
+                                      </p:cBhvr>
+                                      <p:tavLst>
+                                        <p:tav tm="0">
+                                          <p:val>
+                                            <p:strVal val="#ppt_y+.1"/>
+                                          </p:val>
+                                        </p:tav>
+                                        <p:tav tm="100000">
+                                          <p:val>
+                                            <p:strVal val="#ppt_y"/>
+                                          </p:val>
+                                        </p:tav>
+                                      </p:tavLst>
+                                    </p:anim>
+                                  </p:childTnLst>
+                                </p:cTn>
+                              </p:par>
+                            </p:childTnLst>
+                          </p:cTn>
+                        </p:par>
+                      </p:childTnLst>
+                    </p:cTn>
+                  </p:par>
+                  <p:par>
+                    <p:cTn id="22" fill="hold">
+                      <p:stCondLst>
+                        <p:cond delay="indefinite"/>
+                      </p:stCondLst>
+                      <p:childTnLst>
+                        <p:par>
+                          <p:cTn id="23" fill="hold">
+                            <p:stCondLst>
+                              <p:cond delay="0"/>
+                            </p:stCondLst>
+                            <p:childTnLst>
+                              <p:par>
+                                <p:cTn id="24" presetID="42" presetClass="entr" presetSubtype="0" fill="hold" nodeType="clickEffect">
+                                  <p:stCondLst>
+                                    <p:cond delay="0"/>
+                                  </p:stCondLst>
+                                  <p:childTnLst>
+                                    <p:set>
+                                      <p:cBhvr>
+                                        <p:cTn id="25" dur="1" fill="hold">
+                                          <p:stCondLst>
+                                            <p:cond delay="0"/>
+                                          </p:stCondLst>
+                                        </p:cTn>
+                                        <p:tgtEl>
+                                          <p:spTgt spid="8">
+                                            <p:txEl>
+                                              <p:pRg st="6" end="6"/>
+                                            </p:txEl>
+                                          </p:spTgt>
+                                        </p:tgtEl>
+                                        <p:attrNameLst>
+                                          <p:attrName>style.visibility</p:attrName>
+                                        </p:attrNameLst>
+                                      </p:cBhvr>
+                                      <p:to>
+                                        <p:strVal val="visible"/>
+                                      </p:to>
+                                    </p:set>
+                                    <p:animEffect transition="in" filter="fade">
+                                      <p:cBhvr>
+                                        <p:cTn id="26" dur="1000"/>
+                                        <p:tgtEl>
+                                          <p:spTgt spid="8">
+                                            <p:txEl>
+                                              <p:pRg st="6" end="6"/>
+                                            </p:txEl>
+                                          </p:spTgt>
+                                        </p:tgtEl>
+                                      </p:cBhvr>
+                                    </p:animEffect>
+                                    <p:anim calcmode="lin" valueType="num">
+                                      <p:cBhvr>
+                                        <p:cTn id="27" dur="1000" fill="hold"/>
+                                        <p:tgtEl>
+                                          <p:spTgt spid="8">
+                                            <p:txEl>
+                                              <p:pRg st="6" end="6"/>
+                                            </p:txEl>
+                                          </p:spTgt>
+                                        </p:tgtEl>
+                                        <p:attrNameLst>
+                                          <p:attrName>ppt_x</p:attrName>
+                                        </p:attrNameLst>
+                                      </p:cBhvr>
+                                      <p:tavLst>
+                                        <p:tav tm="0">
+                                          <p:val>
+                                            <p:strVal val="#ppt_x"/>
+                                          </p:val>
+                                        </p:tav>
+                                        <p:tav tm="100000">
+                                          <p:val>
+                                            <p:strVal val="#ppt_x"/>
+                                          </p:val>
+                                        </p:tav>
+                                      </p:tavLst>
+                                    </p:anim>
+                                    <p:anim calcmode="lin" valueType="num">
+                                      <p:cBhvr>
+                                        <p:cTn id="28" dur="1000" fill="hold"/>
+                                        <p:tgtEl>
+                                          <p:spTgt spid="8">
+                                            <p:txEl>
+                                              <p:pRg st="6" end="6"/>
+                                            </p:txEl>
+                                          </p:spTgt>
+                                        </p:tgtEl>
+                                        <p:attrNameLst>
+                                          <p:attrName>ppt_y</p:attrName>
+                                        </p:attrNameLst>
+                                      </p:cBhvr>
+                                      <p:tavLst>
+                                        <p:tav tm="0">
+                                          <p:val>
+                                            <p:strVal val="#ppt_y+.1"/>
+                                          </p:val>
+                                        </p:tav>
+                                        <p:tav tm="100000">
+                                          <p:val>
+                                            <p:strVal val="#ppt_y"/>
+                                          </p:val>
+                                        </p:tav>
+                                      </p:tavLst>
+                                    </p:anim>
+                                  </p:childTnLst>
+                                </p:cTn>
+                              </p:par>
+                            </p:childTnLst>
+                          </p:cTn>
+                        </p:par>
+                      </p:childTnLst>
+                    </p:cTn>
+                  </p:par>
+                  <p:par>
+                    <p:cTn id="29" fill="hold">
+                      <p:stCondLst>
+                        <p:cond delay="indefinite"/>
+                      </p:stCondLst>
+                      <p:childTnLst>
+                        <p:par>
+                          <p:cTn id="30" fill="hold">
+                            <p:stCondLst>
+                              <p:cond delay="0"/>
+                            </p:stCondLst>
+                            <p:childTnLst>
+                              <p:par>
+                                <p:cTn id="31" presetID="42" presetClass="entr" presetSubtype="0" fill="hold" nodeType="clickEffect">
+                                  <p:stCondLst>
+                                    <p:cond delay="0"/>
+                                  </p:stCondLst>
+                                  <p:childTnLst>
+                                    <p:set>
+                                      <p:cBhvr>
+                                        <p:cTn id="32" dur="1" fill="hold">
+                                          <p:stCondLst>
+                                            <p:cond delay="0"/>
+                                          </p:stCondLst>
+                                        </p:cTn>
+                                        <p:tgtEl>
+                                          <p:spTgt spid="8">
+                                            <p:txEl>
+                                              <p:pRg st="8" end="8"/>
+                                            </p:txEl>
+                                          </p:spTgt>
+                                        </p:tgtEl>
+                                        <p:attrNameLst>
+                                          <p:attrName>style.visibility</p:attrName>
+                                        </p:attrNameLst>
+                                      </p:cBhvr>
+                                      <p:to>
+                                        <p:strVal val="visible"/>
+                                      </p:to>
+                                    </p:set>
+                                    <p:animEffect transition="in" filter="fade">
+                                      <p:cBhvr>
+                                        <p:cTn id="33" dur="1000"/>
+                                        <p:tgtEl>
+                                          <p:spTgt spid="8">
+                                            <p:txEl>
+                                              <p:pRg st="8" end="8"/>
+                                            </p:txEl>
+                                          </p:spTgt>
+                                        </p:tgtEl>
+                                      </p:cBhvr>
+                                    </p:animEffect>
+                                    <p:anim calcmode="lin" valueType="num">
+                                      <p:cBhvr>
+                                        <p:cTn id="34" dur="1000" fill="hold"/>
+                                        <p:tgtEl>
+                                          <p:spTgt spid="8">
+                                            <p:txEl>
+                                              <p:pRg st="8" end="8"/>
+                                            </p:txEl>
+                                          </p:spTgt>
+                                        </p:tgtEl>
+                                        <p:attrNameLst>
+                                          <p:attrName>ppt_x</p:attrName>
+                                        </p:attrNameLst>
+                                      </p:cBhvr>
+                                      <p:tavLst>
+                                        <p:tav tm="0">
+                                          <p:val>
+                                            <p:strVal val="#ppt_x"/>
+                                          </p:val>
+                                        </p:tav>
+                                        <p:tav tm="100000">
+                                          <p:val>
+                                            <p:strVal val="#ppt_x"/>
+                                          </p:val>
+                                        </p:tav>
+                                      </p:tavLst>
+                                    </p:anim>
+                                    <p:anim calcmode="lin" valueType="num">
+                                      <p:cBhvr>
+                                        <p:cTn id="35" dur="1000" fill="hold"/>
+                                        <p:tgtEl>
+                                          <p:spTgt spid="8">
+                                            <p:txEl>
+                                              <p:pRg st="8" end="8"/>
+                                            </p:txEl>
+                                          </p:spTgt>
+                                        </p:tgtEl>
+                                        <p:attrNameLst>
+                                          <p:attrName>ppt_y</p:attrName>
+                                        </p:attrNameLst>
+                                      </p:cBhvr>
+                                      <p:tavLst>
+                                        <p:tav tm="0">
+                                          <p:val>
+                                            <p:strVal val="#ppt_y+.1"/>
+                                          </p:val>
+                                        </p:tav>
+                                        <p:tav tm="100000">
+                                          <p:val>
+                                            <p:strVal val="#ppt_y"/>
+                                          </p:val>
+                                        </p:tav>
+                                      </p:tavLst>
+                                    </p:anim>
+                                  </p:childTnLst>
+                                </p:cTn>
+                              </p:par>
+                            </p:childTnLst>
+                          </p:cTn>
+                        </p:par>
+                      </p:childTnLst>
+                    </p:cTn>
+                  </p:par>
+                  <p:par>
+                    <p:cTn id="36" fill="hold">
+                      <p:stCondLst>
+                        <p:cond delay="indefinite"/>
+                      </p:stCondLst>
+                      <p:childTnLst>
+                        <p:par>
+                          <p:cTn id="37" fill="hold">
+                            <p:stCondLst>
+                              <p:cond delay="0"/>
+                            </p:stCondLst>
+                            <p:childTnLst>
+                              <p:par>
+                                <p:cTn id="38" presetID="42" presetClass="entr" presetSubtype="0" fill="hold" nodeType="clickEffect">
+                                  <p:stCondLst>
+                                    <p:cond delay="0"/>
+                                  </p:stCondLst>
+                                  <p:childTnLst>
+                                    <p:set>
+                                      <p:cBhvr>
+                                        <p:cTn id="39" dur="1" fill="hold">
+                                          <p:stCondLst>
+                                            <p:cond delay="0"/>
+                                          </p:stCondLst>
+                                        </p:cTn>
+                                        <p:tgtEl>
+                                          <p:spTgt spid="8">
+                                            <p:txEl>
+                                              <p:pRg st="10" end="10"/>
+                                            </p:txEl>
+                                          </p:spTgt>
+                                        </p:tgtEl>
+                                        <p:attrNameLst>
+                                          <p:attrName>style.visibility</p:attrName>
+                                        </p:attrNameLst>
+                                      </p:cBhvr>
+                                      <p:to>
+                                        <p:strVal val="visible"/>
+                                      </p:to>
+                                    </p:set>
+                                    <p:animEffect transition="in" filter="fade">
+                                      <p:cBhvr>
+                                        <p:cTn id="40" dur="1000"/>
+                                        <p:tgtEl>
+                                          <p:spTgt spid="8">
+                                            <p:txEl>
+                                              <p:pRg st="10" end="10"/>
+                                            </p:txEl>
+                                          </p:spTgt>
+                                        </p:tgtEl>
+                                      </p:cBhvr>
+                                    </p:animEffect>
+                                    <p:anim calcmode="lin" valueType="num">
+                                      <p:cBhvr>
+                                        <p:cTn id="41" dur="1000" fill="hold"/>
+                                        <p:tgtEl>
+                                          <p:spTgt spid="8">
+                                            <p:txEl>
+                                              <p:pRg st="10" end="10"/>
+                                            </p:txEl>
+                                          </p:spTgt>
+                                        </p:tgtEl>
+                                        <p:attrNameLst>
+                                          <p:attrName>ppt_x</p:attrName>
+                                        </p:attrNameLst>
+                                      </p:cBhvr>
+                                      <p:tavLst>
+                                        <p:tav tm="0">
+                                          <p:val>
+                                            <p:strVal val="#ppt_x"/>
+                                          </p:val>
+                                        </p:tav>
+                                        <p:tav tm="100000">
+                                          <p:val>
+                                            <p:strVal val="#ppt_x"/>
+                                          </p:val>
+                                        </p:tav>
+                                      </p:tavLst>
+                                    </p:anim>
+                                    <p:anim calcmode="lin" valueType="num">
+                                      <p:cBhvr>
+                                        <p:cTn id="42" dur="1000" fill="hold"/>
+                                        <p:tgtEl>
+                                          <p:spTgt spid="8">
+                                            <p:txEl>
+                                              <p:pRg st="10" end="10"/>
+                                            </p:txEl>
+                                          </p:spTgt>
+                                        </p:tgtEl>
+                                        <p:attrNameLst>
+                                          <p:attrName>ppt_y</p:attrName>
+                                        </p:attrNameLst>
+                                      </p:cBhvr>
+                                      <p:tavLst>
+                                        <p:tav tm="0">
+                                          <p:val>
+                                            <p:strVal val="#ppt_y+.1"/>
+                                          </p:val>
+                                        </p:tav>
+                                        <p:tav tm="100000">
+                                          <p:val>
+                                            <p:strVal val="#ppt_y"/>
+                                          </p:val>
+                                        </p:tav>
+                                      </p:tavLst>
+                                    </p:anim>
                                   </p:childTnLst>
                                 </p:cTn>
                               </p:par>
